--- a/diss/img/3tier-changes.pptx
+++ b/diss/img/3tier-changes.pptx
@@ -107,6 +107,11 @@
       </a:defRPr>
     </a:lvl9pPr>
   </p:defaultTextStyle>
+  <p:extLst>
+    <p:ext uri="{EFAFB233-063F-42B5-8137-9DF3F51BA10A}">
+      <p15:sldGuideLst xmlns:p15="http://schemas.microsoft.com/office/powerpoint/2012/main"/>
+    </p:ext>
+  </p:extLst>
 </p:presentation>
 </file>
 
@@ -192,7 +197,7 @@
           <a:p>
             <a:fld id="{56D14777-39E9-4EA1-9D5E-0C2EF56537B0}" type="datetimeFigureOut">
               <a:rPr lang="en-US" smtClean="0"/>
-              <a:t>6/29/2018</a:t>
+              <a:t>8/23/2018</a:t>
             </a:fld>
             <a:endParaRPr lang="en-US"/>
           </a:p>
@@ -2311,7 +2316,7 @@
           <a:p>
             <a:fld id="{1B63E619-4265-47F8-91F5-1A19FDDE6100}" type="datetime4">
               <a:rPr lang="en-US" smtClean="0"/>
-              <a:t>June 29, 2018</a:t>
+              <a:t>August 23, 2018</a:t>
             </a:fld>
             <a:endParaRPr lang="en-US" dirty="0"/>
           </a:p>
@@ -2593,7 +2598,7 @@
           <a:p>
             <a:fld id="{9285A4B9-8195-4C43-BAD3-B17D5A3D6673}" type="datetime4">
               <a:rPr lang="en-US" smtClean="0"/>
-              <a:t>June 29, 2018</a:t>
+              <a:t>August 23, 2018</a:t>
             </a:fld>
             <a:endParaRPr lang="en-US" dirty="0"/>
           </a:p>
@@ -2875,7 +2880,7 @@
           <a:p>
             <a:fld id="{A02B82C2-B902-4E8E-A017-067BCCB16094}" type="datetime4">
               <a:rPr lang="en-US" smtClean="0"/>
-              <a:t>June 29, 2018</a:t>
+              <a:t>August 23, 2018</a:t>
             </a:fld>
             <a:endParaRPr lang="en-US" dirty="0"/>
           </a:p>
@@ -3157,7 +3162,7 @@
           <a:p>
             <a:fld id="{93B25036-6DAC-4142-AB28-9E73F745DC88}" type="datetime4">
               <a:rPr lang="en-US" smtClean="0"/>
-              <a:t>June 29, 2018</a:t>
+              <a:t>August 23, 2018</a:t>
             </a:fld>
             <a:endParaRPr lang="en-US" dirty="0"/>
           </a:p>
@@ -3387,7 +3392,7 @@
           <a:p>
             <a:fld id="{B6FBCB91-FF8E-436B-BF65-63EF26E75038}" type="datetime4">
               <a:rPr lang="en-US" smtClean="0"/>
-              <a:t>June 29, 2018</a:t>
+              <a:t>August 23, 2018</a:t>
             </a:fld>
             <a:endParaRPr lang="en-US" dirty="0"/>
           </a:p>
@@ -4613,7 +4618,7 @@
           <a:p>
             <a:fld id="{95EFAA02-9F09-4F68-A35A-752B9B781C89}" type="datetime4">
               <a:rPr lang="en-US" smtClean="0"/>
-              <a:t>June 29, 2018</a:t>
+              <a:t>August 23, 2018</a:t>
             </a:fld>
             <a:endParaRPr lang="en-US" dirty="0"/>
           </a:p>
@@ -7339,7 +7344,7 @@
           <a:p>
             <a:fld id="{6277AB8E-856C-470A-9F87-A6E6B886B41E}" type="datetime4">
               <a:rPr lang="en-US" smtClean="0"/>
-              <a:t>June 29, 2018</a:t>
+              <a:t>August 23, 2018</a:t>
             </a:fld>
             <a:endParaRPr lang="en-US" dirty="0"/>
           </a:p>
@@ -7557,7 +7562,7 @@
           <a:p>
             <a:fld id="{ABAC357E-F480-48EE-8294-32967F1689E1}" type="datetime4">
               <a:rPr lang="en-US" smtClean="0"/>
-              <a:t>June 29, 2018</a:t>
+              <a:t>August 23, 2018</a:t>
             </a:fld>
             <a:endParaRPr lang="en-US" dirty="0"/>
           </a:p>
@@ -7809,7 +7814,7 @@
           <a:p>
             <a:fld id="{F3989C09-F28E-4292-8ABB-2B983C18BA3E}" type="datetime4">
               <a:rPr lang="en-US" smtClean="0"/>
-              <a:t>June 29, 2018</a:t>
+              <a:t>August 23, 2018</a:t>
             </a:fld>
             <a:endParaRPr lang="en-US" dirty="0"/>
           </a:p>
@@ -8064,7 +8069,7 @@
           <a:p>
             <a:fld id="{3333CEBF-4115-4590-85F6-5B974F26AF33}" type="datetime4">
               <a:rPr lang="en-US" smtClean="0"/>
-              <a:t>June 29, 2018</a:t>
+              <a:t>August 23, 2018</a:t>
             </a:fld>
             <a:endParaRPr lang="en-US" dirty="0"/>
           </a:p>
@@ -8429,7 +8434,7 @@
           <a:p>
             <a:fld id="{C00ACD98-2DAC-47D7-933E-60F82DF1A000}" type="datetime4">
               <a:rPr lang="en-US" smtClean="0"/>
-              <a:t>June 29, 2018</a:t>
+              <a:t>August 23, 2018</a:t>
             </a:fld>
             <a:endParaRPr lang="en-US" dirty="0"/>
           </a:p>
@@ -8692,7 +8697,7 @@
           <a:p>
             <a:fld id="{D38C25CA-F126-4FD6-B040-0C20579FDFE5}" type="datetime4">
               <a:rPr lang="en-US" smtClean="0"/>
-              <a:t>June 29, 2018</a:t>
+              <a:t>August 23, 2018</a:t>
             </a:fld>
             <a:endParaRPr lang="en-US" dirty="0"/>
           </a:p>
